--- a/assets/powerpoints/golang3.pptx
+++ b/assets/powerpoints/golang3.pptx
@@ -5,7 +5,7 @@
     <p:sldMasterId id="2147483648" r:id="rId1"/>
   </p:sldMasterIdLst>
   <p:notesMasterIdLst>
-    <p:notesMasterId r:id="rId8"/>
+    <p:notesMasterId r:id="rId9"/>
   </p:notesMasterIdLst>
   <p:sldIdLst>
     <p:sldId id="258" r:id="rId2"/>
@@ -14,6 +14,7 @@
     <p:sldId id="267" r:id="rId5"/>
     <p:sldId id="269" r:id="rId6"/>
     <p:sldId id="268" r:id="rId7"/>
+    <p:sldId id="270" r:id="rId8"/>
   </p:sldIdLst>
   <p:sldSz cx="12192000" cy="6858000"/>
   <p:notesSz cx="6858000" cy="9144000"/>
@@ -214,7 +215,7 @@
           <a:p>
             <a:fld id="{AB412791-CB19-4B63-9963-8A77FB30904D}" type="datetimeFigureOut">
               <a:rPr lang="en-US" smtClean="0"/>
-              <a:t>5/11/2019</a:t>
+              <a:t>5/13/2019</a:t>
             </a:fld>
             <a:endParaRPr lang="en-US"/>
           </a:p>
@@ -934,7 +935,89 @@
                 <a:ea typeface="+mn-ea"/>
                 <a:cs typeface="+mn-cs"/>
               </a:rPr>
-              <a:t>Package lifecycle defines an event for an app's lifecycle.</a:t>
+              <a:t>Native applications can be written entirely</a:t>
+            </a:r>
+            <a:r>
+              <a:rPr lang="en-US" sz="1200" b="0" i="0" kern="1200" baseline="0" dirty="0" smtClean="0">
+                <a:solidFill>
+                  <a:schemeClr val="tx1"/>
+                </a:solidFill>
+                <a:effectLst/>
+                <a:latin typeface="+mn-lt"/>
+                <a:ea typeface="+mn-ea"/>
+                <a:cs typeface="+mn-cs"/>
+              </a:rPr>
+              <a:t> with </a:t>
+            </a:r>
+            <a:r>
+              <a:rPr lang="en-US" sz="1200" b="0" i="0" kern="1200" baseline="0" dirty="0" err="1" smtClean="0">
+                <a:solidFill>
+                  <a:schemeClr val="tx1"/>
+                </a:solidFill>
+                <a:effectLst/>
+                <a:latin typeface="+mn-lt"/>
+                <a:ea typeface="+mn-ea"/>
+                <a:cs typeface="+mn-cs"/>
+              </a:rPr>
+              <a:t>gomobile</a:t>
+            </a:r>
+            <a:r>
+              <a:rPr lang="en-US" sz="1200" b="0" i="0" kern="1200" baseline="0" dirty="0" smtClean="0">
+                <a:solidFill>
+                  <a:schemeClr val="tx1"/>
+                </a:solidFill>
+                <a:effectLst/>
+                <a:latin typeface="+mn-lt"/>
+                <a:ea typeface="+mn-ea"/>
+                <a:cs typeface="+mn-cs"/>
+              </a:rPr>
+              <a:t> there is also the SDK where you can bind go to java and objective-c.</a:t>
+            </a:r>
+            <a:endParaRPr lang="en-US" sz="1200" b="0" i="0" kern="1200" dirty="0" smtClean="0">
+              <a:solidFill>
+                <a:schemeClr val="tx1"/>
+              </a:solidFill>
+              <a:effectLst/>
+              <a:latin typeface="+mn-lt"/>
+              <a:ea typeface="+mn-ea"/>
+              <a:cs typeface="+mn-cs"/>
+            </a:endParaRPr>
+          </a:p>
+          <a:p>
+            <a:endParaRPr lang="en-US" sz="1200" b="0" i="0" kern="1200" dirty="0" smtClean="0">
+              <a:solidFill>
+                <a:schemeClr val="tx1"/>
+              </a:solidFill>
+              <a:effectLst/>
+              <a:latin typeface="+mn-lt"/>
+              <a:ea typeface="+mn-ea"/>
+              <a:cs typeface="+mn-cs"/>
+            </a:endParaRPr>
+          </a:p>
+          <a:p>
+            <a:r>
+              <a:rPr lang="en-US" sz="1200" b="0" i="0" kern="1200" dirty="0" smtClean="0">
+                <a:solidFill>
+                  <a:schemeClr val="tx1"/>
+                </a:solidFill>
+                <a:effectLst/>
+                <a:latin typeface="+mn-lt"/>
+                <a:ea typeface="+mn-ea"/>
+                <a:cs typeface="+mn-cs"/>
+              </a:rPr>
+              <a:t>Package </a:t>
+            </a:r>
+            <a:r>
+              <a:rPr lang="en-US" sz="1200" b="0" i="0" kern="1200" dirty="0" smtClean="0">
+                <a:solidFill>
+                  <a:schemeClr val="tx1"/>
+                </a:solidFill>
+                <a:effectLst/>
+                <a:latin typeface="+mn-lt"/>
+                <a:ea typeface="+mn-ea"/>
+                <a:cs typeface="+mn-cs"/>
+              </a:rPr>
+              <a:t>lifecycle defines an event for an app's lifecycle.</a:t>
             </a:r>
           </a:p>
           <a:p>
@@ -1193,6 +1276,162 @@
           <a:bodyPr/>
           <a:lstStyle/>
           <a:p>
+            <a:pPr marL="0" marR="0" lvl="0" indent="0" algn="l" defTabSz="914400" rtl="0" eaLnBrk="1" fontAlgn="auto" latinLnBrk="0" hangingPunct="1">
+              <a:lnSpc>
+                <a:spcPct val="100000"/>
+              </a:lnSpc>
+              <a:spcBef>
+                <a:spcPts val="0"/>
+              </a:spcBef>
+              <a:spcAft>
+                <a:spcPts val="0"/>
+              </a:spcAft>
+              <a:buClrTx/>
+              <a:buSzTx/>
+              <a:buFontTx/>
+              <a:buNone/>
+              <a:tabLst/>
+              <a:defRPr/>
+            </a:pPr>
+            <a:r>
+              <a:rPr lang="en-US" dirty="0" smtClean="0">
+                <a:latin typeface="Roboto"/>
+                <a:hlinkClick r:id="rId3"/>
+              </a:rPr>
+              <a:t>https://godoc.org/golang.org/x/mobile/app/internal/apptest</a:t>
+            </a:r>
+            <a:endParaRPr lang="en-US" dirty="0" smtClean="0"/>
+          </a:p>
+          <a:p>
+            <a:pPr marL="0" marR="0" lvl="0" indent="0" algn="l" defTabSz="914400" rtl="0" eaLnBrk="1" fontAlgn="auto" latinLnBrk="0" hangingPunct="1">
+              <a:lnSpc>
+                <a:spcPct val="100000"/>
+              </a:lnSpc>
+              <a:spcBef>
+                <a:spcPts val="0"/>
+              </a:spcBef>
+              <a:spcAft>
+                <a:spcPts val="0"/>
+              </a:spcAft>
+              <a:buClrTx/>
+              <a:buSzTx/>
+              <a:buFontTx/>
+              <a:buNone/>
+              <a:tabLst/>
+              <a:defRPr/>
+            </a:pPr>
+            <a:r>
+              <a:rPr lang="en-US" dirty="0" smtClean="0"/>
+              <a:t>Package </a:t>
+            </a:r>
+            <a:r>
+              <a:rPr lang="en-US" dirty="0" err="1" smtClean="0"/>
+              <a:t>apptest</a:t>
+            </a:r>
+            <a:r>
+              <a:rPr lang="en-US" baseline="0" dirty="0" smtClean="0">
+                <a:latin typeface="Roboto"/>
+              </a:rPr>
+              <a:t> </a:t>
+            </a:r>
+            <a:r>
+              <a:rPr lang="en-US" dirty="0" smtClean="0"/>
+              <a:t>provides utilities for testing an app.</a:t>
+            </a:r>
+          </a:p>
+          <a:p>
+            <a:r>
+              <a:rPr lang="en-US" dirty="0" smtClean="0"/>
+              <a:t>According</a:t>
+            </a:r>
+            <a:r>
+              <a:rPr lang="en-US" baseline="0" dirty="0" smtClean="0"/>
+              <a:t> to there website the testing utility “I</a:t>
+            </a:r>
+            <a:r>
+              <a:rPr lang="en-US" sz="1200" b="0" i="0" kern="1200" dirty="0" smtClean="0">
+                <a:solidFill>
+                  <a:schemeClr val="tx1"/>
+                </a:solidFill>
+                <a:effectLst/>
+                <a:latin typeface="+mn-lt"/>
+                <a:ea typeface="+mn-ea"/>
+                <a:cs typeface="+mn-cs"/>
+              </a:rPr>
+              <a:t>s extremely incomplete, hence it being internal. For starters, it should support iOS.”</a:t>
+            </a:r>
+          </a:p>
+          <a:p>
+            <a:r>
+              <a:rPr lang="en-US" dirty="0" smtClean="0"/>
+              <a:t>With</a:t>
+            </a:r>
+            <a:r>
+              <a:rPr lang="en-US" baseline="0" dirty="0" smtClean="0"/>
+              <a:t> this I wanted to talk about the verdict of if I would choose to use </a:t>
+            </a:r>
+            <a:r>
+              <a:rPr lang="en-US" baseline="0" dirty="0" err="1" smtClean="0"/>
+              <a:t>gomobile</a:t>
+            </a:r>
+            <a:r>
+              <a:rPr lang="en-US" baseline="0" dirty="0" smtClean="0"/>
+              <a:t>. </a:t>
+            </a:r>
+          </a:p>
+          <a:p>
+            <a:r>
+              <a:rPr lang="en-US" dirty="0" smtClean="0">
+                <a:latin typeface="Roboto"/>
+              </a:rPr>
+              <a:t>Would I choose </a:t>
+            </a:r>
+            <a:r>
+              <a:rPr lang="en-US" dirty="0" err="1" smtClean="0">
+                <a:latin typeface="Roboto"/>
+              </a:rPr>
+              <a:t>gomobile</a:t>
+            </a:r>
+            <a:r>
+              <a:rPr lang="en-US" dirty="0" smtClean="0">
+                <a:latin typeface="Roboto"/>
+              </a:rPr>
+              <a:t> over what is currently the majority</a:t>
+            </a:r>
+            <a:r>
+              <a:rPr lang="en-US" baseline="0" dirty="0" smtClean="0">
+                <a:latin typeface="Roboto"/>
+              </a:rPr>
+              <a:t> language of java, </a:t>
+            </a:r>
+            <a:r>
+              <a:rPr lang="en-US" baseline="0" dirty="0" err="1" smtClean="0">
+                <a:latin typeface="Roboto"/>
+              </a:rPr>
+              <a:t>kotlin</a:t>
+            </a:r>
+            <a:r>
+              <a:rPr lang="en-US" baseline="0" dirty="0" smtClean="0">
+                <a:latin typeface="Roboto"/>
+              </a:rPr>
+              <a:t>, swift, or OBJ C. no because of limited support for this library.</a:t>
+            </a:r>
+          </a:p>
+          <a:p>
+            <a:r>
+              <a:rPr lang="en-US" baseline="0" dirty="0" smtClean="0">
+                <a:latin typeface="Roboto"/>
+              </a:rPr>
+              <a:t> </a:t>
+            </a:r>
+            <a:endParaRPr lang="en-US" dirty="0" smtClean="0">
+              <a:latin typeface="Roboto"/>
+            </a:endParaRPr>
+          </a:p>
+          <a:p>
+            <a:endParaRPr lang="en-US" dirty="0" smtClean="0"/>
+          </a:p>
+          <a:p>
             <a:endParaRPr lang="en-US" dirty="0"/>
           </a:p>
         </p:txBody>
@@ -1224,6 +1463,90 @@
     <p:extLst>
       <p:ext uri="{BB962C8B-B14F-4D97-AF65-F5344CB8AC3E}">
         <p14:creationId xmlns:p14="http://schemas.microsoft.com/office/powerpoint/2010/main" val="4055554762"/>
+      </p:ext>
+    </p:extLst>
+  </p:cSld>
+  <p:clrMapOvr>
+    <a:masterClrMapping/>
+  </p:clrMapOvr>
+</p:notes>
+</file>
+
+<file path=ppt/notesSlides/notesSlide7.xml><?xml version="1.0" encoding="utf-8"?>
+<p:notes xmlns:a="http://schemas.openxmlformats.org/drawingml/2006/main" xmlns:r="http://schemas.openxmlformats.org/officeDocument/2006/relationships" xmlns:p="http://schemas.openxmlformats.org/presentationml/2006/main">
+  <p:cSld>
+    <p:spTree>
+      <p:nvGrpSpPr>
+        <p:cNvPr id="1" name=""/>
+        <p:cNvGrpSpPr/>
+        <p:nvPr/>
+      </p:nvGrpSpPr>
+      <p:grpSpPr>
+        <a:xfrm>
+          <a:off x="0" y="0"/>
+          <a:ext cx="0" cy="0"/>
+          <a:chOff x="0" y="0"/>
+          <a:chExt cx="0" cy="0"/>
+        </a:xfrm>
+      </p:grpSpPr>
+      <p:sp>
+        <p:nvSpPr>
+          <p:cNvPr id="2" name="Slide Image Placeholder 1"/>
+          <p:cNvSpPr>
+            <a:spLocks noGrp="1" noRot="1" noChangeAspect="1"/>
+          </p:cNvSpPr>
+          <p:nvPr>
+            <p:ph type="sldImg"/>
+          </p:nvPr>
+        </p:nvSpPr>
+        <p:spPr/>
+      </p:sp>
+      <p:sp>
+        <p:nvSpPr>
+          <p:cNvPr id="3" name="Notes Placeholder 2"/>
+          <p:cNvSpPr>
+            <a:spLocks noGrp="1"/>
+          </p:cNvSpPr>
+          <p:nvPr>
+            <p:ph type="body" idx="1"/>
+          </p:nvPr>
+        </p:nvSpPr>
+        <p:spPr/>
+        <p:txBody>
+          <a:bodyPr/>
+          <a:lstStyle/>
+          <a:p>
+            <a:endParaRPr lang="en-US" dirty="0"/>
+          </a:p>
+        </p:txBody>
+      </p:sp>
+      <p:sp>
+        <p:nvSpPr>
+          <p:cNvPr id="4" name="Slide Number Placeholder 3"/>
+          <p:cNvSpPr>
+            <a:spLocks noGrp="1"/>
+          </p:cNvSpPr>
+          <p:nvPr>
+            <p:ph type="sldNum" sz="quarter" idx="10"/>
+          </p:nvPr>
+        </p:nvSpPr>
+        <p:spPr/>
+        <p:txBody>
+          <a:bodyPr/>
+          <a:lstStyle/>
+          <a:p>
+            <a:fld id="{E7485AFA-8529-45AE-977F-998C2B043712}" type="slidenum">
+              <a:rPr lang="en-US" smtClean="0"/>
+              <a:t>7</a:t>
+            </a:fld>
+            <a:endParaRPr lang="en-US"/>
+          </a:p>
+        </p:txBody>
+      </p:sp>
+    </p:spTree>
+    <p:extLst>
+      <p:ext uri="{BB962C8B-B14F-4D97-AF65-F5344CB8AC3E}">
+        <p14:creationId xmlns:p14="http://schemas.microsoft.com/office/powerpoint/2010/main" val="4252188878"/>
       </p:ext>
     </p:extLst>
   </p:cSld>
@@ -1364,7 +1687,7 @@
           <a:p>
             <a:fld id="{790ED757-B5C7-4A40-922E-B631E1D33579}" type="datetimeFigureOut">
               <a:rPr lang="en-US" smtClean="0"/>
-              <a:t>5/11/2019</a:t>
+              <a:t>5/13/2019</a:t>
             </a:fld>
             <a:endParaRPr lang="en-US"/>
           </a:p>
@@ -1534,7 +1857,7 @@
           <a:p>
             <a:fld id="{790ED757-B5C7-4A40-922E-B631E1D33579}" type="datetimeFigureOut">
               <a:rPr lang="en-US" smtClean="0"/>
-              <a:t>5/11/2019</a:t>
+              <a:t>5/13/2019</a:t>
             </a:fld>
             <a:endParaRPr lang="en-US"/>
           </a:p>
@@ -1714,7 +2037,7 @@
           <a:p>
             <a:fld id="{790ED757-B5C7-4A40-922E-B631E1D33579}" type="datetimeFigureOut">
               <a:rPr lang="en-US" smtClean="0"/>
-              <a:t>5/11/2019</a:t>
+              <a:t>5/13/2019</a:t>
             </a:fld>
             <a:endParaRPr lang="en-US"/>
           </a:p>
@@ -1884,7 +2207,7 @@
           <a:p>
             <a:fld id="{790ED757-B5C7-4A40-922E-B631E1D33579}" type="datetimeFigureOut">
               <a:rPr lang="en-US" smtClean="0"/>
-              <a:t>5/11/2019</a:t>
+              <a:t>5/13/2019</a:t>
             </a:fld>
             <a:endParaRPr lang="en-US"/>
           </a:p>
@@ -2130,7 +2453,7 @@
           <a:p>
             <a:fld id="{790ED757-B5C7-4A40-922E-B631E1D33579}" type="datetimeFigureOut">
               <a:rPr lang="en-US" smtClean="0"/>
-              <a:t>5/11/2019</a:t>
+              <a:t>5/13/2019</a:t>
             </a:fld>
             <a:endParaRPr lang="en-US"/>
           </a:p>
@@ -2362,7 +2685,7 @@
           <a:p>
             <a:fld id="{790ED757-B5C7-4A40-922E-B631E1D33579}" type="datetimeFigureOut">
               <a:rPr lang="en-US" smtClean="0"/>
-              <a:t>5/11/2019</a:t>
+              <a:t>5/13/2019</a:t>
             </a:fld>
             <a:endParaRPr lang="en-US"/>
           </a:p>
@@ -2729,7 +3052,7 @@
           <a:p>
             <a:fld id="{790ED757-B5C7-4A40-922E-B631E1D33579}" type="datetimeFigureOut">
               <a:rPr lang="en-US" smtClean="0"/>
-              <a:t>5/11/2019</a:t>
+              <a:t>5/13/2019</a:t>
             </a:fld>
             <a:endParaRPr lang="en-US"/>
           </a:p>
@@ -2847,7 +3170,7 @@
           <a:p>
             <a:fld id="{790ED757-B5C7-4A40-922E-B631E1D33579}" type="datetimeFigureOut">
               <a:rPr lang="en-US" smtClean="0"/>
-              <a:t>5/11/2019</a:t>
+              <a:t>5/13/2019</a:t>
             </a:fld>
             <a:endParaRPr lang="en-US"/>
           </a:p>
@@ -2942,7 +3265,7 @@
           <a:p>
             <a:fld id="{790ED757-B5C7-4A40-922E-B631E1D33579}" type="datetimeFigureOut">
               <a:rPr lang="en-US" smtClean="0"/>
-              <a:t>5/11/2019</a:t>
+              <a:t>5/13/2019</a:t>
             </a:fld>
             <a:endParaRPr lang="en-US"/>
           </a:p>
@@ -3219,7 +3542,7 @@
           <a:p>
             <a:fld id="{790ED757-B5C7-4A40-922E-B631E1D33579}" type="datetimeFigureOut">
               <a:rPr lang="en-US" smtClean="0"/>
-              <a:t>5/11/2019</a:t>
+              <a:t>5/13/2019</a:t>
             </a:fld>
             <a:endParaRPr lang="en-US"/>
           </a:p>
@@ -3472,7 +3795,7 @@
           <a:p>
             <a:fld id="{790ED757-B5C7-4A40-922E-B631E1D33579}" type="datetimeFigureOut">
               <a:rPr lang="en-US" smtClean="0"/>
-              <a:t>5/11/2019</a:t>
+              <a:t>5/13/2019</a:t>
             </a:fld>
             <a:endParaRPr lang="en-US"/>
           </a:p>
@@ -3685,7 +4008,7 @@
           <a:p>
             <a:fld id="{790ED757-B5C7-4A40-922E-B631E1D33579}" type="datetimeFigureOut">
               <a:rPr lang="en-US" smtClean="0"/>
-              <a:t>5/11/2019</a:t>
+              <a:t>5/13/2019</a:t>
             </a:fld>
             <a:endParaRPr lang="en-US"/>
           </a:p>
@@ -4267,19 +4590,23 @@
               <a:rPr lang="en-US" dirty="0" smtClean="0">
                 <a:latin typeface="Roboto"/>
               </a:rPr>
-              <a:t>Features/</a:t>
-            </a:r>
+              <a:t>Features/Getting Started</a:t>
+            </a:r>
+          </a:p>
+          <a:p>
             <a:r>
               <a:rPr lang="en-US" dirty="0" smtClean="0">
                 <a:latin typeface="Roboto"/>
               </a:rPr>
-              <a:t>Getting </a:t>
-            </a:r>
+              <a:t>Demo</a:t>
+            </a:r>
+          </a:p>
+          <a:p>
             <a:r>
               <a:rPr lang="en-US" dirty="0" smtClean="0">
                 <a:latin typeface="Roboto"/>
               </a:rPr>
-              <a:t>Started</a:t>
+              <a:t>Testing</a:t>
             </a:r>
           </a:p>
           <a:p>
@@ -4287,27 +4614,11 @@
               <a:rPr lang="en-US" dirty="0" smtClean="0">
                 <a:latin typeface="Roboto"/>
               </a:rPr>
-              <a:t>Demo</a:t>
-            </a:r>
-          </a:p>
-          <a:p>
-            <a:r>
-              <a:rPr lang="en-US" dirty="0" smtClean="0">
-                <a:latin typeface="Roboto"/>
-              </a:rPr>
-              <a:t>Testing</a:t>
+              <a:t>Conclusion</a:t>
             </a:r>
             <a:endParaRPr lang="en-US" dirty="0" smtClean="0">
               <a:latin typeface="Roboto"/>
             </a:endParaRPr>
-          </a:p>
-          <a:p>
-            <a:r>
-              <a:rPr lang="en-US" dirty="0" smtClean="0">
-                <a:latin typeface="Roboto"/>
-              </a:rPr>
-              <a:t>Conclusion</a:t>
-            </a:r>
           </a:p>
           <a:p>
             <a:endParaRPr lang="en-US" dirty="0" smtClean="0">
@@ -4595,17 +4906,14 @@
               <a:t>Some </a:t>
             </a:r>
             <a:r>
-              <a:rPr lang="en-US" dirty="0" err="1">
-                <a:latin typeface="Roboto"/>
-              </a:rPr>
-              <a:t>packes</a:t>
-            </a:r>
-            <a:r>
               <a:rPr lang="en-US" dirty="0" smtClean="0">
                 <a:latin typeface="Roboto"/>
               </a:rPr>
-              <a:t>:</a:t>
-            </a:r>
+              <a:t>packages:</a:t>
+            </a:r>
+            <a:endParaRPr lang="en-US" dirty="0" smtClean="0">
+              <a:latin typeface="Roboto"/>
+            </a:endParaRPr>
           </a:p>
           <a:p>
             <a:pPr marL="914400" lvl="2" indent="0">
@@ -4868,6 +5176,12 @@
           <a:bodyPr/>
           <a:lstStyle/>
           <a:p>
+            <a:r>
+              <a:rPr lang="en-US" dirty="0" smtClean="0">
+                <a:latin typeface="Roboto"/>
+              </a:rPr>
+              <a:t>Testing</a:t>
+            </a:r>
             <a:endParaRPr lang="en-US" dirty="0">
               <a:latin typeface="Roboto"/>
             </a:endParaRPr>
@@ -4889,6 +5203,53 @@
           <a:bodyPr/>
           <a:lstStyle/>
           <a:p>
+            <a:r>
+              <a:rPr lang="en-US" altLang="en-US" dirty="0">
+                <a:latin typeface="Roboto"/>
+              </a:rPr>
+              <a:t>import "golang.org/x/mobile/app/internal/</a:t>
+            </a:r>
+            <a:r>
+              <a:rPr lang="en-US" altLang="en-US" dirty="0" err="1">
+                <a:latin typeface="Roboto"/>
+              </a:rPr>
+              <a:t>apptest</a:t>
+            </a:r>
+            <a:r>
+              <a:rPr lang="en-US" altLang="en-US" dirty="0" smtClean="0">
+                <a:latin typeface="Roboto"/>
+              </a:rPr>
+              <a:t>"</a:t>
+            </a:r>
+            <a:endParaRPr lang="en-US" dirty="0" smtClean="0">
+              <a:latin typeface="Roboto"/>
+              <a:hlinkClick r:id="rId3"/>
+            </a:endParaRPr>
+          </a:p>
+          <a:p>
+            <a:r>
+              <a:rPr lang="en-US" dirty="0" smtClean="0">
+                <a:latin typeface="Roboto"/>
+              </a:rPr>
+              <a:t>Package </a:t>
+            </a:r>
+            <a:r>
+              <a:rPr lang="en-US" dirty="0" err="1" smtClean="0">
+                <a:latin typeface="Roboto"/>
+              </a:rPr>
+              <a:t>apptest</a:t>
+            </a:r>
+            <a:endParaRPr lang="en-US" dirty="0" smtClean="0">
+              <a:latin typeface="Roboto"/>
+            </a:endParaRPr>
+          </a:p>
+          <a:p>
+            <a:r>
+              <a:rPr lang="en-US" dirty="0" smtClean="0">
+                <a:latin typeface="Roboto"/>
+              </a:rPr>
+              <a:t>Incomplete – Currently only supports iOS</a:t>
+            </a:r>
             <a:endParaRPr lang="en-US" dirty="0" smtClean="0">
               <a:latin typeface="Roboto"/>
             </a:endParaRPr>
@@ -4899,6 +5260,85 @@
     <p:extLst>
       <p:ext uri="{BB962C8B-B14F-4D97-AF65-F5344CB8AC3E}">
         <p14:creationId xmlns:p14="http://schemas.microsoft.com/office/powerpoint/2010/main" val="710848090"/>
+      </p:ext>
+    </p:extLst>
+  </p:cSld>
+  <p:clrMapOvr>
+    <a:masterClrMapping/>
+  </p:clrMapOvr>
+  <p:timing>
+    <p:tnLst>
+      <p:par>
+        <p:cTn id="1" dur="indefinite" restart="never" nodeType="tmRoot"/>
+      </p:par>
+    </p:tnLst>
+  </p:timing>
+</p:sld>
+</file>
+
+<file path=ppt/slides/slide7.xml><?xml version="1.0" encoding="utf-8"?>
+<p:sld xmlns:a="http://schemas.openxmlformats.org/drawingml/2006/main" xmlns:r="http://schemas.openxmlformats.org/officeDocument/2006/relationships" xmlns:p="http://schemas.openxmlformats.org/presentationml/2006/main">
+  <p:cSld>
+    <p:spTree>
+      <p:nvGrpSpPr>
+        <p:cNvPr id="1" name=""/>
+        <p:cNvGrpSpPr/>
+        <p:nvPr/>
+      </p:nvGrpSpPr>
+      <p:grpSpPr>
+        <a:xfrm>
+          <a:off x="0" y="0"/>
+          <a:ext cx="0" cy="0"/>
+          <a:chOff x="0" y="0"/>
+          <a:chExt cx="0" cy="0"/>
+        </a:xfrm>
+      </p:grpSpPr>
+      <p:sp>
+        <p:nvSpPr>
+          <p:cNvPr id="2" name="Title 1"/>
+          <p:cNvSpPr>
+            <a:spLocks noGrp="1"/>
+          </p:cNvSpPr>
+          <p:nvPr>
+            <p:ph type="title"/>
+          </p:nvPr>
+        </p:nvSpPr>
+        <p:spPr/>
+        <p:txBody>
+          <a:bodyPr/>
+          <a:lstStyle/>
+          <a:p>
+            <a:endParaRPr lang="en-US" dirty="0">
+              <a:latin typeface="Roboto"/>
+            </a:endParaRPr>
+          </a:p>
+        </p:txBody>
+      </p:sp>
+      <p:sp>
+        <p:nvSpPr>
+          <p:cNvPr id="3" name="Content Placeholder 2"/>
+          <p:cNvSpPr>
+            <a:spLocks noGrp="1"/>
+          </p:cNvSpPr>
+          <p:nvPr>
+            <p:ph idx="1"/>
+          </p:nvPr>
+        </p:nvSpPr>
+        <p:spPr/>
+        <p:txBody>
+          <a:bodyPr/>
+          <a:lstStyle/>
+          <a:p>
+            <a:endParaRPr lang="en-US" dirty="0" smtClean="0">
+              <a:latin typeface="Roboto"/>
+            </a:endParaRPr>
+          </a:p>
+        </p:txBody>
+      </p:sp>
+    </p:spTree>
+    <p:extLst>
+      <p:ext uri="{BB962C8B-B14F-4D97-AF65-F5344CB8AC3E}">
+        <p14:creationId xmlns:p14="http://schemas.microsoft.com/office/powerpoint/2010/main" val="2373460131"/>
       </p:ext>
     </p:extLst>
   </p:cSld>

--- a/assets/powerpoints/golang3.pptx
+++ b/assets/powerpoints/golang3.pptx
@@ -5,7 +5,7 @@
     <p:sldMasterId id="2147483648" r:id="rId1"/>
   </p:sldMasterIdLst>
   <p:notesMasterIdLst>
-    <p:notesMasterId r:id="rId9"/>
+    <p:notesMasterId r:id="rId10"/>
   </p:notesMasterIdLst>
   <p:sldIdLst>
     <p:sldId id="258" r:id="rId2"/>
@@ -14,7 +14,8 @@
     <p:sldId id="267" r:id="rId5"/>
     <p:sldId id="269" r:id="rId6"/>
     <p:sldId id="268" r:id="rId7"/>
-    <p:sldId id="270" r:id="rId8"/>
+    <p:sldId id="271" r:id="rId8"/>
+    <p:sldId id="270" r:id="rId9"/>
   </p:sldIdLst>
   <p:sldSz cx="12192000" cy="6858000"/>
   <p:notesSz cx="6858000" cy="9144000"/>
@@ -215,7 +216,7 @@
           <a:p>
             <a:fld id="{AB412791-CB19-4B63-9963-8A77FB30904D}" type="datetimeFigureOut">
               <a:rPr lang="en-US" smtClean="0"/>
-              <a:t>5/13/2019</a:t>
+              <a:t>5/14/2019</a:t>
             </a:fld>
             <a:endParaRPr lang="en-US"/>
           </a:p>
@@ -1005,19 +1006,7 @@
                 <a:ea typeface="+mn-ea"/>
                 <a:cs typeface="+mn-cs"/>
               </a:rPr>
-              <a:t>Package </a:t>
-            </a:r>
-            <a:r>
-              <a:rPr lang="en-US" sz="1200" b="0" i="0" kern="1200" dirty="0" smtClean="0">
-                <a:solidFill>
-                  <a:schemeClr val="tx1"/>
-                </a:solidFill>
-                <a:effectLst/>
-                <a:latin typeface="+mn-lt"/>
-                <a:ea typeface="+mn-ea"/>
-                <a:cs typeface="+mn-cs"/>
-              </a:rPr>
-              <a:t>lifecycle defines an event for an app's lifecycle.</a:t>
+              <a:t>Package lifecycle defines an event for an app's lifecycle.</a:t>
             </a:r>
           </a:p>
           <a:p>
@@ -1192,6 +1181,22 @@
           <a:bodyPr/>
           <a:lstStyle/>
           <a:p>
+            <a:endParaRPr lang="en-US" baseline="0" dirty="0" smtClean="0">
+              <a:latin typeface="Roboto"/>
+            </a:endParaRPr>
+          </a:p>
+          <a:p>
+            <a:endParaRPr lang="en-US" baseline="0" dirty="0" smtClean="0">
+              <a:latin typeface="Roboto"/>
+            </a:endParaRPr>
+          </a:p>
+          <a:p>
+            <a:r>
+              <a:rPr lang="en-US" dirty="0" smtClean="0">
+                <a:latin typeface="Roboto"/>
+              </a:rPr>
+              <a:t> </a:t>
+            </a:r>
             <a:endParaRPr lang="en-US" dirty="0"/>
           </a:p>
         </p:txBody>
@@ -1537,7 +1542,7 @@
           <a:p>
             <a:fld id="{E7485AFA-8529-45AE-977F-998C2B043712}" type="slidenum">
               <a:rPr lang="en-US" smtClean="0"/>
-              <a:t>7</a:t>
+              <a:t>8</a:t>
             </a:fld>
             <a:endParaRPr lang="en-US"/>
           </a:p>
@@ -1687,7 +1692,7 @@
           <a:p>
             <a:fld id="{790ED757-B5C7-4A40-922E-B631E1D33579}" type="datetimeFigureOut">
               <a:rPr lang="en-US" smtClean="0"/>
-              <a:t>5/13/2019</a:t>
+              <a:t>5/14/2019</a:t>
             </a:fld>
             <a:endParaRPr lang="en-US"/>
           </a:p>
@@ -1857,7 +1862,7 @@
           <a:p>
             <a:fld id="{790ED757-B5C7-4A40-922E-B631E1D33579}" type="datetimeFigureOut">
               <a:rPr lang="en-US" smtClean="0"/>
-              <a:t>5/13/2019</a:t>
+              <a:t>5/14/2019</a:t>
             </a:fld>
             <a:endParaRPr lang="en-US"/>
           </a:p>
@@ -2037,7 +2042,7 @@
           <a:p>
             <a:fld id="{790ED757-B5C7-4A40-922E-B631E1D33579}" type="datetimeFigureOut">
               <a:rPr lang="en-US" smtClean="0"/>
-              <a:t>5/13/2019</a:t>
+              <a:t>5/14/2019</a:t>
             </a:fld>
             <a:endParaRPr lang="en-US"/>
           </a:p>
@@ -2207,7 +2212,7 @@
           <a:p>
             <a:fld id="{790ED757-B5C7-4A40-922E-B631E1D33579}" type="datetimeFigureOut">
               <a:rPr lang="en-US" smtClean="0"/>
-              <a:t>5/13/2019</a:t>
+              <a:t>5/14/2019</a:t>
             </a:fld>
             <a:endParaRPr lang="en-US"/>
           </a:p>
@@ -2453,7 +2458,7 @@
           <a:p>
             <a:fld id="{790ED757-B5C7-4A40-922E-B631E1D33579}" type="datetimeFigureOut">
               <a:rPr lang="en-US" smtClean="0"/>
-              <a:t>5/13/2019</a:t>
+              <a:t>5/14/2019</a:t>
             </a:fld>
             <a:endParaRPr lang="en-US"/>
           </a:p>
@@ -2685,7 +2690,7 @@
           <a:p>
             <a:fld id="{790ED757-B5C7-4A40-922E-B631E1D33579}" type="datetimeFigureOut">
               <a:rPr lang="en-US" smtClean="0"/>
-              <a:t>5/13/2019</a:t>
+              <a:t>5/14/2019</a:t>
             </a:fld>
             <a:endParaRPr lang="en-US"/>
           </a:p>
@@ -3052,7 +3057,7 @@
           <a:p>
             <a:fld id="{790ED757-B5C7-4A40-922E-B631E1D33579}" type="datetimeFigureOut">
               <a:rPr lang="en-US" smtClean="0"/>
-              <a:t>5/13/2019</a:t>
+              <a:t>5/14/2019</a:t>
             </a:fld>
             <a:endParaRPr lang="en-US"/>
           </a:p>
@@ -3170,7 +3175,7 @@
           <a:p>
             <a:fld id="{790ED757-B5C7-4A40-922E-B631E1D33579}" type="datetimeFigureOut">
               <a:rPr lang="en-US" smtClean="0"/>
-              <a:t>5/13/2019</a:t>
+              <a:t>5/14/2019</a:t>
             </a:fld>
             <a:endParaRPr lang="en-US"/>
           </a:p>
@@ -3265,7 +3270,7 @@
           <a:p>
             <a:fld id="{790ED757-B5C7-4A40-922E-B631E1D33579}" type="datetimeFigureOut">
               <a:rPr lang="en-US" smtClean="0"/>
-              <a:t>5/13/2019</a:t>
+              <a:t>5/14/2019</a:t>
             </a:fld>
             <a:endParaRPr lang="en-US"/>
           </a:p>
@@ -3542,7 +3547,7 @@
           <a:p>
             <a:fld id="{790ED757-B5C7-4A40-922E-B631E1D33579}" type="datetimeFigureOut">
               <a:rPr lang="en-US" smtClean="0"/>
-              <a:t>5/13/2019</a:t>
+              <a:t>5/14/2019</a:t>
             </a:fld>
             <a:endParaRPr lang="en-US"/>
           </a:p>
@@ -3795,7 +3800,7 @@
           <a:p>
             <a:fld id="{790ED757-B5C7-4A40-922E-B631E1D33579}" type="datetimeFigureOut">
               <a:rPr lang="en-US" smtClean="0"/>
-              <a:t>5/13/2019</a:t>
+              <a:t>5/14/2019</a:t>
             </a:fld>
             <a:endParaRPr lang="en-US"/>
           </a:p>
@@ -4008,7 +4013,7 @@
           <a:p>
             <a:fld id="{790ED757-B5C7-4A40-922E-B631E1D33579}" type="datetimeFigureOut">
               <a:rPr lang="en-US" smtClean="0"/>
-              <a:t>5/13/2019</a:t>
+              <a:t>5/14/2019</a:t>
             </a:fld>
             <a:endParaRPr lang="en-US"/>
           </a:p>
@@ -4496,6 +4501,112 @@
           </a:p>
         </p:txBody>
       </p:sp>
+      <p:pic>
+        <p:nvPicPr>
+          <p:cNvPr id="1028" name="Picture 4" descr="Image result for golang buffalo"/>
+          <p:cNvPicPr>
+            <a:picLocks noChangeAspect="1" noChangeArrowheads="1"/>
+          </p:cNvPicPr>
+          <p:nvPr/>
+        </p:nvPicPr>
+        <p:blipFill>
+          <a:blip r:embed="rId4">
+            <a:extLst>
+              <a:ext uri="{28A0092B-C50C-407E-A947-70E740481C1C}">
+                <a14:useLocalDpi xmlns:a14="http://schemas.microsoft.com/office/drawing/2010/main" val="0"/>
+              </a:ext>
+            </a:extLst>
+          </a:blip>
+          <a:srcRect/>
+          <a:stretch>
+            <a:fillRect/>
+          </a:stretch>
+        </p:blipFill>
+        <p:spPr bwMode="auto">
+          <a:xfrm>
+            <a:off x="9636087" y="4314089"/>
+            <a:ext cx="2555913" cy="2555913"/>
+          </a:xfrm>
+          <a:prstGeom prst="rect">
+            <a:avLst/>
+          </a:prstGeom>
+          <a:noFill/>
+          <a:extLst>
+            <a:ext uri="{909E8E84-426E-40DD-AFC4-6F175D3DCCD1}">
+              <a14:hiddenFill xmlns:a14="http://schemas.microsoft.com/office/drawing/2010/main">
+                <a:solidFill>
+                  <a:srgbClr val="FFFFFF"/>
+                </a:solidFill>
+              </a14:hiddenFill>
+            </a:ext>
+          </a:extLst>
+        </p:spPr>
+      </p:pic>
+      <p:sp>
+        <p:nvSpPr>
+          <p:cNvPr id="7" name="Title 1"/>
+          <p:cNvSpPr txBox="1">
+            <a:spLocks/>
+          </p:cNvSpPr>
+          <p:nvPr/>
+        </p:nvSpPr>
+        <p:spPr>
+          <a:xfrm>
+            <a:off x="5540566" y="5532437"/>
+            <a:ext cx="10515600" cy="1325563"/>
+          </a:xfrm>
+          <a:prstGeom prst="rect">
+            <a:avLst/>
+          </a:prstGeom>
+        </p:spPr>
+        <p:txBody>
+          <a:bodyPr vert="horz" lIns="91440" tIns="45720" rIns="91440" bIns="45720" rtlCol="0" anchor="b">
+            <a:normAutofit/>
+          </a:bodyPr>
+          <a:lstStyle>
+            <a:lvl1pPr algn="ctr" defTabSz="914400" rtl="0" eaLnBrk="1" latinLnBrk="0" hangingPunct="1">
+              <a:lnSpc>
+                <a:spcPct val="90000"/>
+              </a:lnSpc>
+              <a:spcBef>
+                <a:spcPct val="0"/>
+              </a:spcBef>
+              <a:buNone/>
+              <a:defRPr sz="6000" kern="1200">
+                <a:solidFill>
+                  <a:schemeClr val="tx1"/>
+                </a:solidFill>
+                <a:latin typeface="+mj-lt"/>
+                <a:ea typeface="+mj-ea"/>
+                <a:cs typeface="+mj-cs"/>
+              </a:defRPr>
+            </a:lvl1pPr>
+          </a:lstStyle>
+          <a:p>
+            <a:r>
+              <a:rPr lang="en-US" sz="3200" b="1" dirty="0" smtClean="0">
+                <a:latin typeface="Roboto"/>
+              </a:rPr>
+              <a:t>and </a:t>
+            </a:r>
+            <a:r>
+              <a:rPr lang="en-US" sz="3200" b="1" dirty="0" err="1" smtClean="0">
+                <a:latin typeface="Roboto"/>
+              </a:rPr>
+              <a:t>gobuffalo</a:t>
+            </a:r>
+            <a:r>
+              <a:rPr lang="en-US" sz="3200" b="1" dirty="0" smtClean="0">
+                <a:latin typeface="Roboto"/>
+              </a:rPr>
+              <a:t>  </a:t>
+            </a:r>
+            <a:endParaRPr lang="en-US" sz="3200" b="1" dirty="0">
+              <a:latin typeface="Roboto"/>
+            </a:endParaRPr>
+          </a:p>
+        </p:txBody>
+      </p:sp>
     </p:spTree>
     <p:extLst>
       <p:ext uri="{BB962C8B-B14F-4D97-AF65-F5344CB8AC3E}">
@@ -4598,27 +4709,38 @@
               <a:rPr lang="en-US" dirty="0" smtClean="0">
                 <a:latin typeface="Roboto"/>
               </a:rPr>
-              <a:t>Demo</a:t>
-            </a:r>
-          </a:p>
-          <a:p>
-            <a:r>
-              <a:rPr lang="en-US" dirty="0" smtClean="0">
+              <a:t>About </a:t>
+            </a:r>
+            <a:r>
+              <a:rPr lang="en-US" dirty="0" err="1" smtClean="0">
                 <a:latin typeface="Roboto"/>
               </a:rPr>
-              <a:t>Testing</a:t>
-            </a:r>
-          </a:p>
-          <a:p>
-            <a:r>
-              <a:rPr lang="en-US" dirty="0" smtClean="0">
-                <a:latin typeface="Roboto"/>
-              </a:rPr>
-              <a:t>Conclusion</a:t>
+              <a:t>gomobile</a:t>
             </a:r>
             <a:endParaRPr lang="en-US" dirty="0" smtClean="0">
               <a:latin typeface="Roboto"/>
             </a:endParaRPr>
+          </a:p>
+          <a:p>
+            <a:r>
+              <a:rPr lang="en-US" dirty="0" smtClean="0">
+                <a:latin typeface="Roboto"/>
+              </a:rPr>
+              <a:t>Testing</a:t>
+            </a:r>
+          </a:p>
+          <a:p>
+            <a:endParaRPr lang="en-US" dirty="0" smtClean="0">
+              <a:latin typeface="Roboto"/>
+            </a:endParaRPr>
+          </a:p>
+          <a:p>
+            <a:r>
+              <a:rPr lang="en-US" dirty="0" smtClean="0">
+                <a:latin typeface="Roboto"/>
+              </a:rPr>
+              <a:t>Conclusion</a:t>
+            </a:r>
           </a:p>
           <a:p>
             <a:endParaRPr lang="en-US" dirty="0" smtClean="0">
@@ -4911,9 +5033,6 @@
               </a:rPr>
               <a:t>packages:</a:t>
             </a:r>
-            <a:endParaRPr lang="en-US" dirty="0" smtClean="0">
-              <a:latin typeface="Roboto"/>
-            </a:endParaRPr>
           </a:p>
           <a:p>
             <a:pPr marL="914400" lvl="2" indent="0">
@@ -5118,6 +5237,18 @@
           <a:bodyPr/>
           <a:lstStyle/>
           <a:p>
+            <a:r>
+              <a:rPr lang="en-US" dirty="0" err="1">
+                <a:latin typeface="Roboto"/>
+              </a:rPr>
+              <a:t>n</a:t>
+            </a:r>
+            <a:r>
+              <a:rPr lang="en-US" dirty="0" err="1" smtClean="0">
+                <a:latin typeface="Roboto"/>
+              </a:rPr>
+              <a:t>etwork.go</a:t>
+            </a:r>
             <a:endParaRPr lang="en-US" dirty="0" smtClean="0">
               <a:latin typeface="Roboto"/>
             </a:endParaRPr>
@@ -5250,9 +5381,6 @@
               </a:rPr>
               <a:t>Incomplete – Currently only supports iOS</a:t>
             </a:r>
-            <a:endParaRPr lang="en-US" dirty="0" smtClean="0">
-              <a:latin typeface="Roboto"/>
-            </a:endParaRPr>
           </a:p>
         </p:txBody>
       </p:sp>
@@ -5277,6 +5405,82 @@
 </file>
 
 <file path=ppt/slides/slide7.xml><?xml version="1.0" encoding="utf-8"?>
+<p:sld xmlns:a="http://schemas.openxmlformats.org/drawingml/2006/main" xmlns:r="http://schemas.openxmlformats.org/officeDocument/2006/relationships" xmlns:p="http://schemas.openxmlformats.org/presentationml/2006/main">
+  <p:cSld>
+    <p:spTree>
+      <p:nvGrpSpPr>
+        <p:cNvPr id="1" name=""/>
+        <p:cNvGrpSpPr/>
+        <p:nvPr/>
+      </p:nvGrpSpPr>
+      <p:grpSpPr>
+        <a:xfrm>
+          <a:off x="0" y="0"/>
+          <a:ext cx="0" cy="0"/>
+          <a:chOff x="0" y="0"/>
+          <a:chExt cx="0" cy="0"/>
+        </a:xfrm>
+      </p:grpSpPr>
+      <p:sp>
+        <p:nvSpPr>
+          <p:cNvPr id="2" name="Title 1"/>
+          <p:cNvSpPr>
+            <a:spLocks noGrp="1"/>
+          </p:cNvSpPr>
+          <p:nvPr>
+            <p:ph type="title"/>
+          </p:nvPr>
+        </p:nvSpPr>
+        <p:spPr/>
+        <p:txBody>
+          <a:bodyPr/>
+          <a:lstStyle/>
+          <a:p>
+            <a:r>
+              <a:rPr lang="en-US" dirty="0" err="1" smtClean="0">
+                <a:latin typeface="Roboto"/>
+              </a:rPr>
+              <a:t>GoBuffalo</a:t>
+            </a:r>
+            <a:endParaRPr lang="en-US" dirty="0">
+              <a:latin typeface="Roboto"/>
+            </a:endParaRPr>
+          </a:p>
+        </p:txBody>
+      </p:sp>
+      <p:sp>
+        <p:nvSpPr>
+          <p:cNvPr id="3" name="Content Placeholder 2"/>
+          <p:cNvSpPr>
+            <a:spLocks noGrp="1"/>
+          </p:cNvSpPr>
+          <p:nvPr>
+            <p:ph idx="1"/>
+          </p:nvPr>
+        </p:nvSpPr>
+        <p:spPr/>
+        <p:txBody>
+          <a:bodyPr/>
+          <a:lstStyle/>
+          <a:p>
+            <a:endParaRPr lang="en-US" dirty="0"/>
+          </a:p>
+        </p:txBody>
+      </p:sp>
+    </p:spTree>
+    <p:extLst>
+      <p:ext uri="{BB962C8B-B14F-4D97-AF65-F5344CB8AC3E}">
+        <p14:creationId xmlns:p14="http://schemas.microsoft.com/office/powerpoint/2010/main" val="2121139400"/>
+      </p:ext>
+    </p:extLst>
+  </p:cSld>
+  <p:clrMapOvr>
+    <a:masterClrMapping/>
+  </p:clrMapOvr>
+</p:sld>
+</file>
+
+<file path=ppt/slides/slide8.xml><?xml version="1.0" encoding="utf-8"?>
 <p:sld xmlns:a="http://schemas.openxmlformats.org/drawingml/2006/main" xmlns:r="http://schemas.openxmlformats.org/officeDocument/2006/relationships" xmlns:p="http://schemas.openxmlformats.org/presentationml/2006/main">
   <p:cSld>
     <p:spTree>

--- a/assets/powerpoints/golang3.pptx
+++ b/assets/powerpoints/golang3.pptx
@@ -216,7 +216,7 @@
           <a:p>
             <a:fld id="{AB412791-CB19-4B63-9963-8A77FB30904D}" type="datetimeFigureOut">
               <a:rPr lang="en-US" smtClean="0"/>
-              <a:t>5/14/2019</a:t>
+              <a:t>5/17/2019</a:t>
             </a:fld>
             <a:endParaRPr lang="en-US"/>
           </a:p>
@@ -1521,6 +1521,122 @@
           <a:bodyPr/>
           <a:lstStyle/>
           <a:p>
+            <a:r>
+              <a:rPr lang="en-US" dirty="0" smtClean="0"/>
+              <a:t>-</a:t>
+            </a:r>
+            <a:r>
+              <a:rPr lang="en-US" dirty="0" err="1" smtClean="0"/>
+              <a:t>Gobuffalo</a:t>
+            </a:r>
+            <a:r>
+              <a:rPr lang="en-US" baseline="0" dirty="0" smtClean="0"/>
+              <a:t> is a web framework for the </a:t>
+            </a:r>
+            <a:r>
+              <a:rPr lang="en-US" baseline="0" dirty="0" err="1" smtClean="0"/>
+              <a:t>golang</a:t>
+            </a:r>
+            <a:r>
+              <a:rPr lang="en-US" baseline="0" dirty="0" smtClean="0"/>
+              <a:t> language and is used for rapid web development.</a:t>
+            </a:r>
+          </a:p>
+          <a:p>
+            <a:r>
+              <a:rPr lang="en-US" baseline="0" dirty="0" smtClean="0"/>
+              <a:t>-</a:t>
+            </a:r>
+          </a:p>
+          <a:p>
+            <a:r>
+              <a:rPr lang="en-US" baseline="0" dirty="0" smtClean="0"/>
+              <a:t> </a:t>
+            </a:r>
+            <a:endParaRPr lang="en-US" dirty="0"/>
+          </a:p>
+        </p:txBody>
+      </p:sp>
+      <p:sp>
+        <p:nvSpPr>
+          <p:cNvPr id="4" name="Slide Number Placeholder 3"/>
+          <p:cNvSpPr>
+            <a:spLocks noGrp="1"/>
+          </p:cNvSpPr>
+          <p:nvPr>
+            <p:ph type="sldNum" sz="quarter" idx="10"/>
+          </p:nvPr>
+        </p:nvSpPr>
+        <p:spPr/>
+        <p:txBody>
+          <a:bodyPr/>
+          <a:lstStyle/>
+          <a:p>
+            <a:fld id="{E7485AFA-8529-45AE-977F-998C2B043712}" type="slidenum">
+              <a:rPr lang="en-US" smtClean="0"/>
+              <a:t>7</a:t>
+            </a:fld>
+            <a:endParaRPr lang="en-US"/>
+          </a:p>
+        </p:txBody>
+      </p:sp>
+    </p:spTree>
+    <p:extLst>
+      <p:ext uri="{BB962C8B-B14F-4D97-AF65-F5344CB8AC3E}">
+        <p14:creationId xmlns:p14="http://schemas.microsoft.com/office/powerpoint/2010/main" val="1197194655"/>
+      </p:ext>
+    </p:extLst>
+  </p:cSld>
+  <p:clrMapOvr>
+    <a:masterClrMapping/>
+  </p:clrMapOvr>
+</p:notes>
+</file>
+
+<file path=ppt/notesSlides/notesSlide8.xml><?xml version="1.0" encoding="utf-8"?>
+<p:notes xmlns:a="http://schemas.openxmlformats.org/drawingml/2006/main" xmlns:r="http://schemas.openxmlformats.org/officeDocument/2006/relationships" xmlns:p="http://schemas.openxmlformats.org/presentationml/2006/main">
+  <p:cSld>
+    <p:spTree>
+      <p:nvGrpSpPr>
+        <p:cNvPr id="1" name=""/>
+        <p:cNvGrpSpPr/>
+        <p:nvPr/>
+      </p:nvGrpSpPr>
+      <p:grpSpPr>
+        <a:xfrm>
+          <a:off x="0" y="0"/>
+          <a:ext cx="0" cy="0"/>
+          <a:chOff x="0" y="0"/>
+          <a:chExt cx="0" cy="0"/>
+        </a:xfrm>
+      </p:grpSpPr>
+      <p:sp>
+        <p:nvSpPr>
+          <p:cNvPr id="2" name="Slide Image Placeholder 1"/>
+          <p:cNvSpPr>
+            <a:spLocks noGrp="1" noRot="1" noChangeAspect="1"/>
+          </p:cNvSpPr>
+          <p:nvPr>
+            <p:ph type="sldImg"/>
+          </p:nvPr>
+        </p:nvSpPr>
+        <p:spPr/>
+      </p:sp>
+      <p:sp>
+        <p:nvSpPr>
+          <p:cNvPr id="3" name="Notes Placeholder 2"/>
+          <p:cNvSpPr>
+            <a:spLocks noGrp="1"/>
+          </p:cNvSpPr>
+          <p:nvPr>
+            <p:ph type="body" idx="1"/>
+          </p:nvPr>
+        </p:nvSpPr>
+        <p:spPr/>
+        <p:txBody>
+          <a:bodyPr/>
+          <a:lstStyle/>
+          <a:p>
             <a:endParaRPr lang="en-US" dirty="0"/>
           </a:p>
         </p:txBody>
@@ -1692,7 +1808,7 @@
           <a:p>
             <a:fld id="{790ED757-B5C7-4A40-922E-B631E1D33579}" type="datetimeFigureOut">
               <a:rPr lang="en-US" smtClean="0"/>
-              <a:t>5/14/2019</a:t>
+              <a:t>5/17/2019</a:t>
             </a:fld>
             <a:endParaRPr lang="en-US"/>
           </a:p>
@@ -1862,7 +1978,7 @@
           <a:p>
             <a:fld id="{790ED757-B5C7-4A40-922E-B631E1D33579}" type="datetimeFigureOut">
               <a:rPr lang="en-US" smtClean="0"/>
-              <a:t>5/14/2019</a:t>
+              <a:t>5/17/2019</a:t>
             </a:fld>
             <a:endParaRPr lang="en-US"/>
           </a:p>
@@ -2042,7 +2158,7 @@
           <a:p>
             <a:fld id="{790ED757-B5C7-4A40-922E-B631E1D33579}" type="datetimeFigureOut">
               <a:rPr lang="en-US" smtClean="0"/>
-              <a:t>5/14/2019</a:t>
+              <a:t>5/17/2019</a:t>
             </a:fld>
             <a:endParaRPr lang="en-US"/>
           </a:p>
@@ -2212,7 +2328,7 @@
           <a:p>
             <a:fld id="{790ED757-B5C7-4A40-922E-B631E1D33579}" type="datetimeFigureOut">
               <a:rPr lang="en-US" smtClean="0"/>
-              <a:t>5/14/2019</a:t>
+              <a:t>5/17/2019</a:t>
             </a:fld>
             <a:endParaRPr lang="en-US"/>
           </a:p>
@@ -2458,7 +2574,7 @@
           <a:p>
             <a:fld id="{790ED757-B5C7-4A40-922E-B631E1D33579}" type="datetimeFigureOut">
               <a:rPr lang="en-US" smtClean="0"/>
-              <a:t>5/14/2019</a:t>
+              <a:t>5/17/2019</a:t>
             </a:fld>
             <a:endParaRPr lang="en-US"/>
           </a:p>
@@ -2690,7 +2806,7 @@
           <a:p>
             <a:fld id="{790ED757-B5C7-4A40-922E-B631E1D33579}" type="datetimeFigureOut">
               <a:rPr lang="en-US" smtClean="0"/>
-              <a:t>5/14/2019</a:t>
+              <a:t>5/17/2019</a:t>
             </a:fld>
             <a:endParaRPr lang="en-US"/>
           </a:p>
@@ -3057,7 +3173,7 @@
           <a:p>
             <a:fld id="{790ED757-B5C7-4A40-922E-B631E1D33579}" type="datetimeFigureOut">
               <a:rPr lang="en-US" smtClean="0"/>
-              <a:t>5/14/2019</a:t>
+              <a:t>5/17/2019</a:t>
             </a:fld>
             <a:endParaRPr lang="en-US"/>
           </a:p>
@@ -3175,7 +3291,7 @@
           <a:p>
             <a:fld id="{790ED757-B5C7-4A40-922E-B631E1D33579}" type="datetimeFigureOut">
               <a:rPr lang="en-US" smtClean="0"/>
-              <a:t>5/14/2019</a:t>
+              <a:t>5/17/2019</a:t>
             </a:fld>
             <a:endParaRPr lang="en-US"/>
           </a:p>
@@ -3270,7 +3386,7 @@
           <a:p>
             <a:fld id="{790ED757-B5C7-4A40-922E-B631E1D33579}" type="datetimeFigureOut">
               <a:rPr lang="en-US" smtClean="0"/>
-              <a:t>5/14/2019</a:t>
+              <a:t>5/17/2019</a:t>
             </a:fld>
             <a:endParaRPr lang="en-US"/>
           </a:p>
@@ -3547,7 +3663,7 @@
           <a:p>
             <a:fld id="{790ED757-B5C7-4A40-922E-B631E1D33579}" type="datetimeFigureOut">
               <a:rPr lang="en-US" smtClean="0"/>
-              <a:t>5/14/2019</a:t>
+              <a:t>5/17/2019</a:t>
             </a:fld>
             <a:endParaRPr lang="en-US"/>
           </a:p>
@@ -3800,7 +3916,7 @@
           <a:p>
             <a:fld id="{790ED757-B5C7-4A40-922E-B631E1D33579}" type="datetimeFigureOut">
               <a:rPr lang="en-US" smtClean="0"/>
-              <a:t>5/14/2019</a:t>
+              <a:t>5/17/2019</a:t>
             </a:fld>
             <a:endParaRPr lang="en-US"/>
           </a:p>
@@ -4013,7 +4129,7 @@
           <a:p>
             <a:fld id="{790ED757-B5C7-4A40-922E-B631E1D33579}" type="datetimeFigureOut">
               <a:rPr lang="en-US" smtClean="0"/>
-              <a:t>5/14/2019</a:t>
+              <a:t>5/17/2019</a:t>
             </a:fld>
             <a:endParaRPr lang="en-US"/>
           </a:p>
@@ -4524,7 +4640,7 @@
         </p:blipFill>
         <p:spPr bwMode="auto">
           <a:xfrm>
-            <a:off x="9636087" y="4314089"/>
+            <a:off x="9636087" y="3639305"/>
             <a:ext cx="2555913" cy="2555913"/>
           </a:xfrm>
           <a:prstGeom prst="rect">
@@ -4709,7 +4825,7 @@
               <a:rPr lang="en-US" dirty="0" smtClean="0">
                 <a:latin typeface="Roboto"/>
               </a:rPr>
-              <a:t>About </a:t>
+              <a:t>Demo </a:t>
             </a:r>
             <a:r>
               <a:rPr lang="en-US" dirty="0" err="1" smtClean="0">
@@ -4730,6 +4846,12 @@
             </a:r>
           </a:p>
           <a:p>
+            <a:r>
+              <a:rPr lang="en-US" dirty="0" err="1" smtClean="0">
+                <a:latin typeface="Roboto"/>
+              </a:rPr>
+              <a:t>GoBuffalo</a:t>
+            </a:r>
             <a:endParaRPr lang="en-US" dirty="0" smtClean="0">
               <a:latin typeface="Roboto"/>
             </a:endParaRPr>
@@ -5238,17 +5360,36 @@
           <a:lstStyle/>
           <a:p>
             <a:r>
-              <a:rPr lang="en-US" dirty="0" err="1">
-                <a:latin typeface="Roboto"/>
-              </a:rPr>
-              <a:t>n</a:t>
-            </a:r>
+              <a:rPr lang="en-US" dirty="0">
+                <a:hlinkClick r:id="rId3"/>
+              </a:rPr>
+              <a:t>https://github.com/golang/mobile/tree/master/example/network</a:t>
+            </a:r>
+            <a:endParaRPr lang="en-US" dirty="0" smtClean="0">
+              <a:latin typeface="Roboto"/>
+            </a:endParaRPr>
+          </a:p>
+          <a:p>
             <a:r>
               <a:rPr lang="en-US" dirty="0" err="1" smtClean="0">
                 <a:latin typeface="Roboto"/>
               </a:rPr>
-              <a:t>etwork.go</a:t>
-            </a:r>
+              <a:t>network.</a:t>
+            </a:r>
+            <a:r>
+              <a:rPr lang="en-US" dirty="0" err="1" smtClean="0">
+                <a:solidFill>
+                  <a:srgbClr val="00B0F0"/>
+                </a:solidFill>
+                <a:latin typeface="Roboto"/>
+              </a:rPr>
+              <a:t>go</a:t>
+            </a:r>
+            <a:endParaRPr lang="en-US" dirty="0" smtClean="0">
+              <a:latin typeface="Roboto"/>
+            </a:endParaRPr>
+          </a:p>
+          <a:p>
             <a:endParaRPr lang="en-US" dirty="0" smtClean="0">
               <a:latin typeface="Roboto"/>
             </a:endParaRPr>
@@ -5463,10 +5604,54 @@
           <a:bodyPr/>
           <a:lstStyle/>
           <a:p>
+            <a:r>
+              <a:rPr lang="en-US" dirty="0" smtClean="0"/>
+              <a:t>Rapid Web Development</a:t>
+            </a:r>
+          </a:p>
+          <a:p>
+            <a:pPr lvl="8"/>
+            <a:r>
+              <a:rPr lang="en-US" dirty="0" smtClean="0"/>
+              <a:t>Commands/Flags</a:t>
+            </a:r>
+          </a:p>
+          <a:p>
+            <a:r>
+              <a:rPr lang="en-US" dirty="0" err="1" smtClean="0"/>
+              <a:t>GameOfBuffalo</a:t>
+            </a:r>
+            <a:endParaRPr lang="en-US" dirty="0" smtClean="0"/>
+          </a:p>
+          <a:p>
             <a:endParaRPr lang="en-US" dirty="0"/>
           </a:p>
         </p:txBody>
       </p:sp>
+      <p:pic>
+        <p:nvPicPr>
+          <p:cNvPr id="9" name="Picture 8"/>
+          <p:cNvPicPr>
+            <a:picLocks noChangeAspect="1"/>
+          </p:cNvPicPr>
+          <p:nvPr/>
+        </p:nvPicPr>
+        <p:blipFill>
+          <a:blip r:embed="rId3"/>
+          <a:stretch>
+            <a:fillRect/>
+          </a:stretch>
+        </p:blipFill>
+        <p:spPr>
+          <a:xfrm>
+            <a:off x="4710596" y="2579841"/>
+            <a:ext cx="7481404" cy="4278159"/>
+          </a:xfrm>
+          <a:prstGeom prst="rect">
+            <a:avLst/>
+          </a:prstGeom>
+        </p:spPr>
+      </p:pic>
     </p:spTree>
     <p:extLst>
       <p:ext uri="{BB962C8B-B14F-4D97-AF65-F5344CB8AC3E}">
@@ -5512,6 +5697,12 @@
           <a:bodyPr/>
           <a:lstStyle/>
           <a:p>
+            <a:r>
+              <a:rPr lang="en-US" dirty="0" smtClean="0">
+                <a:latin typeface="Roboto"/>
+              </a:rPr>
+              <a:t>End of Lunch and Learn 3</a:t>
+            </a:r>
             <a:endParaRPr lang="en-US" dirty="0">
               <a:latin typeface="Roboto"/>
             </a:endParaRPr>

--- a/assets/powerpoints/golang3.pptx
+++ b/assets/powerpoints/golang3.pptx
@@ -216,7 +216,7 @@
           <a:p>
             <a:fld id="{AB412791-CB19-4B63-9963-8A77FB30904D}" type="datetimeFigureOut">
               <a:rPr lang="en-US" smtClean="0"/>
-              <a:t>5/17/2019</a:t>
+              <a:t>5/18/2019</a:t>
             </a:fld>
             <a:endParaRPr lang="en-US"/>
           </a:p>
@@ -558,7 +558,11 @@
             </a:r>
             <a:r>
               <a:rPr lang="en-US" baseline="0" dirty="0" smtClean="0"/>
-              <a:t>.</a:t>
+              <a:t>, and </a:t>
+            </a:r>
+            <a:r>
+              <a:rPr lang="en-US" baseline="0" dirty="0" err="1" smtClean="0"/>
+              <a:t>gobuffalo</a:t>
             </a:r>
             <a:endParaRPr lang="en-US" dirty="0"/>
           </a:p>
@@ -1367,13 +1371,20 @@
             </a:r>
           </a:p>
           <a:p>
+            <a:endParaRPr lang="en-US" dirty="0" smtClean="0"/>
+          </a:p>
+          <a:p>
             <a:r>
               <a:rPr lang="en-US" dirty="0" smtClean="0"/>
               <a:t>With</a:t>
             </a:r>
             <a:r>
               <a:rPr lang="en-US" baseline="0" dirty="0" smtClean="0"/>
-              <a:t> this I wanted to talk about the verdict of if I would choose to use </a:t>
+              <a:t> </a:t>
+            </a:r>
+            <a:r>
+              <a:rPr lang="en-US" baseline="0" dirty="0" smtClean="0"/>
+              <a:t>this I wanted to talk about the verdict of if I would choose to use </a:t>
             </a:r>
             <a:r>
               <a:rPr lang="en-US" baseline="0" dirty="0" err="1" smtClean="0"/>
@@ -1419,21 +1430,22 @@
               <a:rPr lang="en-US" baseline="0" dirty="0" smtClean="0">
                 <a:latin typeface="Roboto"/>
               </a:rPr>
-              <a:t>, swift, or OBJ C. no because of limited support for this library.</a:t>
-            </a:r>
-          </a:p>
-          <a:p>
+              <a:t>, swift, or OBJ C. no because of limited support for this library</a:t>
+            </a:r>
             <a:r>
               <a:rPr lang="en-US" baseline="0" dirty="0" smtClean="0">
                 <a:latin typeface="Roboto"/>
               </a:rPr>
-              <a:t> </a:t>
-            </a:r>
-            <a:endParaRPr lang="en-US" dirty="0" smtClean="0">
-              <a:latin typeface="Roboto"/>
-            </a:endParaRPr>
-          </a:p>
-          <a:p>
+              <a:t>.</a:t>
+            </a:r>
+          </a:p>
+          <a:p>
+            <a:r>
+              <a:rPr lang="en-US" baseline="0" dirty="0" smtClean="0">
+                <a:latin typeface="Roboto"/>
+              </a:rPr>
+              <a:t>Currently its only been 4 years in development and the last update to the code base was 2months ago.</a:t>
+            </a:r>
             <a:endParaRPr lang="en-US" dirty="0" smtClean="0"/>
           </a:p>
           <a:p>
@@ -1539,13 +1551,105 @@
             </a:r>
             <a:r>
               <a:rPr lang="en-US" baseline="0" dirty="0" smtClean="0"/>
-              <a:t> language and is used for rapid web development.</a:t>
-            </a:r>
-          </a:p>
-          <a:p>
+              <a:t> language and is used for rapid web development</a:t>
+            </a:r>
             <a:r>
               <a:rPr lang="en-US" baseline="0" dirty="0" smtClean="0"/>
-              <a:t>-</a:t>
+              <a:t>.</a:t>
+            </a:r>
+          </a:p>
+          <a:p>
+            <a:r>
+              <a:rPr lang="en-US" baseline="0" dirty="0" smtClean="0"/>
+              <a:t>-To generate a new buffalo project, run the `buffalo new (name of site)` cmd.</a:t>
+            </a:r>
+          </a:p>
+          <a:p>
+            <a:r>
+              <a:rPr lang="en-US" baseline="0" dirty="0" smtClean="0"/>
+              <a:t>-Running the buffalo dev </a:t>
+            </a:r>
+            <a:r>
+              <a:rPr lang="en-US" baseline="0" dirty="0" err="1" smtClean="0"/>
+              <a:t>cmd</a:t>
+            </a:r>
+            <a:r>
+              <a:rPr lang="en-US" baseline="0" dirty="0" smtClean="0"/>
+              <a:t> starts the server on a default port.</a:t>
+            </a:r>
+            <a:endParaRPr lang="en-US" baseline="0" dirty="0" smtClean="0"/>
+          </a:p>
+          <a:p>
+            <a:r>
+              <a:rPr lang="en-US" baseline="0" dirty="0" smtClean="0"/>
+              <a:t>-Actions is a directory where all of you go code goes, inside an action file is a mapping of an http verb(</a:t>
+            </a:r>
+            <a:r>
+              <a:rPr lang="en-US" baseline="0" dirty="0" err="1" smtClean="0"/>
+              <a:t>get,put,post</a:t>
+            </a:r>
+            <a:r>
+              <a:rPr lang="en-US" baseline="0" dirty="0" smtClean="0"/>
+              <a:t>), a route, and a handler </a:t>
+            </a:r>
+          </a:p>
+          <a:p>
+            <a:r>
+              <a:rPr lang="en-US" baseline="0" dirty="0" smtClean="0"/>
+              <a:t>-Templates is the directory where all of your html goes. </a:t>
+            </a:r>
+            <a:endParaRPr lang="en-US" baseline="0" dirty="0" smtClean="0"/>
+          </a:p>
+          <a:p>
+            <a:r>
+              <a:rPr lang="en-US" baseline="0" dirty="0" smtClean="0"/>
+              <a:t> </a:t>
+            </a:r>
+            <a:endParaRPr lang="en-US" baseline="0" dirty="0" smtClean="0"/>
+          </a:p>
+          <a:p>
+            <a:pPr marL="0" marR="0" lvl="0" indent="0" algn="l" defTabSz="914400" rtl="0" eaLnBrk="1" fontAlgn="auto" latinLnBrk="0" hangingPunct="1">
+              <a:lnSpc>
+                <a:spcPct val="100000"/>
+              </a:lnSpc>
+              <a:spcBef>
+                <a:spcPts val="0"/>
+              </a:spcBef>
+              <a:spcAft>
+                <a:spcPts val="0"/>
+              </a:spcAft>
+              <a:buClrTx/>
+              <a:buSzTx/>
+              <a:buFontTx/>
+              <a:buNone/>
+              <a:tabLst/>
+              <a:defRPr/>
+            </a:pPr>
+            <a:r>
+              <a:rPr lang="en-US" baseline="0" dirty="0" smtClean="0"/>
+              <a:t>-buffalo </a:t>
+            </a:r>
+            <a:r>
+              <a:rPr lang="en-US" baseline="0" dirty="0" err="1" smtClean="0"/>
+              <a:t>db</a:t>
+            </a:r>
+            <a:r>
+              <a:rPr lang="en-US" baseline="0" dirty="0" smtClean="0"/>
+              <a:t> create –a: this will create the databases defined in the </a:t>
+            </a:r>
+            <a:r>
+              <a:rPr lang="en-US" baseline="0" dirty="0" err="1" smtClean="0"/>
+              <a:t>database.yml</a:t>
+            </a:r>
+            <a:r>
+              <a:rPr lang="en-US" baseline="0" dirty="0" smtClean="0"/>
+              <a:t> file</a:t>
+            </a:r>
+          </a:p>
+          <a:p>
+            <a:r>
+              <a:rPr lang="en-US" baseline="0" dirty="0" smtClean="0"/>
+              <a:t>-buffalo dev: to run the buffalo app in dev mode.</a:t>
             </a:r>
           </a:p>
           <a:p>
@@ -1808,7 +1912,7 @@
           <a:p>
             <a:fld id="{790ED757-B5C7-4A40-922E-B631E1D33579}" type="datetimeFigureOut">
               <a:rPr lang="en-US" smtClean="0"/>
-              <a:t>5/17/2019</a:t>
+              <a:t>5/18/2019</a:t>
             </a:fld>
             <a:endParaRPr lang="en-US"/>
           </a:p>
@@ -1978,7 +2082,7 @@
           <a:p>
             <a:fld id="{790ED757-B5C7-4A40-922E-B631E1D33579}" type="datetimeFigureOut">
               <a:rPr lang="en-US" smtClean="0"/>
-              <a:t>5/17/2019</a:t>
+              <a:t>5/18/2019</a:t>
             </a:fld>
             <a:endParaRPr lang="en-US"/>
           </a:p>
@@ -2158,7 +2262,7 @@
           <a:p>
             <a:fld id="{790ED757-B5C7-4A40-922E-B631E1D33579}" type="datetimeFigureOut">
               <a:rPr lang="en-US" smtClean="0"/>
-              <a:t>5/17/2019</a:t>
+              <a:t>5/18/2019</a:t>
             </a:fld>
             <a:endParaRPr lang="en-US"/>
           </a:p>
@@ -2328,7 +2432,7 @@
           <a:p>
             <a:fld id="{790ED757-B5C7-4A40-922E-B631E1D33579}" type="datetimeFigureOut">
               <a:rPr lang="en-US" smtClean="0"/>
-              <a:t>5/17/2019</a:t>
+              <a:t>5/18/2019</a:t>
             </a:fld>
             <a:endParaRPr lang="en-US"/>
           </a:p>
@@ -2574,7 +2678,7 @@
           <a:p>
             <a:fld id="{790ED757-B5C7-4A40-922E-B631E1D33579}" type="datetimeFigureOut">
               <a:rPr lang="en-US" smtClean="0"/>
-              <a:t>5/17/2019</a:t>
+              <a:t>5/18/2019</a:t>
             </a:fld>
             <a:endParaRPr lang="en-US"/>
           </a:p>
@@ -2806,7 +2910,7 @@
           <a:p>
             <a:fld id="{790ED757-B5C7-4A40-922E-B631E1D33579}" type="datetimeFigureOut">
               <a:rPr lang="en-US" smtClean="0"/>
-              <a:t>5/17/2019</a:t>
+              <a:t>5/18/2019</a:t>
             </a:fld>
             <a:endParaRPr lang="en-US"/>
           </a:p>
@@ -3173,7 +3277,7 @@
           <a:p>
             <a:fld id="{790ED757-B5C7-4A40-922E-B631E1D33579}" type="datetimeFigureOut">
               <a:rPr lang="en-US" smtClean="0"/>
-              <a:t>5/17/2019</a:t>
+              <a:t>5/18/2019</a:t>
             </a:fld>
             <a:endParaRPr lang="en-US"/>
           </a:p>
@@ -3291,7 +3395,7 @@
           <a:p>
             <a:fld id="{790ED757-B5C7-4A40-922E-B631E1D33579}" type="datetimeFigureOut">
               <a:rPr lang="en-US" smtClean="0"/>
-              <a:t>5/17/2019</a:t>
+              <a:t>5/18/2019</a:t>
             </a:fld>
             <a:endParaRPr lang="en-US"/>
           </a:p>
@@ -3386,7 +3490,7 @@
           <a:p>
             <a:fld id="{790ED757-B5C7-4A40-922E-B631E1D33579}" type="datetimeFigureOut">
               <a:rPr lang="en-US" smtClean="0"/>
-              <a:t>5/17/2019</a:t>
+              <a:t>5/18/2019</a:t>
             </a:fld>
             <a:endParaRPr lang="en-US"/>
           </a:p>
@@ -3663,7 +3767,7 @@
           <a:p>
             <a:fld id="{790ED757-B5C7-4A40-922E-B631E1D33579}" type="datetimeFigureOut">
               <a:rPr lang="en-US" smtClean="0"/>
-              <a:t>5/17/2019</a:t>
+              <a:t>5/18/2019</a:t>
             </a:fld>
             <a:endParaRPr lang="en-US"/>
           </a:p>
@@ -3916,7 +4020,7 @@
           <a:p>
             <a:fld id="{790ED757-B5C7-4A40-922E-B631E1D33579}" type="datetimeFigureOut">
               <a:rPr lang="en-US" smtClean="0"/>
-              <a:t>5/17/2019</a:t>
+              <a:t>5/18/2019</a:t>
             </a:fld>
             <a:endParaRPr lang="en-US"/>
           </a:p>
@@ -4129,7 +4233,7 @@
           <a:p>
             <a:fld id="{790ED757-B5C7-4A40-922E-B631E1D33579}" type="datetimeFigureOut">
               <a:rPr lang="en-US" smtClean="0"/>
-              <a:t>5/17/2019</a:t>
+              <a:t>5/18/2019</a:t>
             </a:fld>
             <a:endParaRPr lang="en-US"/>
           </a:p>
@@ -5610,13 +5714,23 @@
             </a:r>
           </a:p>
           <a:p>
-            <a:pPr lvl="8"/>
             <a:r>
               <a:rPr lang="en-US" dirty="0" smtClean="0"/>
-              <a:t>Commands/Flags</a:t>
-            </a:r>
-          </a:p>
-          <a:p>
+              <a:t>Actions</a:t>
+            </a:r>
+          </a:p>
+          <a:p>
+            <a:r>
+              <a:rPr lang="en-US" dirty="0" smtClean="0"/>
+              <a:t>Templates </a:t>
+            </a:r>
+            <a:endParaRPr lang="en-US" dirty="0" smtClean="0"/>
+          </a:p>
+          <a:p>
+            <a:r>
+              <a:rPr lang="en-US" dirty="0" smtClean="0"/>
+              <a:t>Demoing </a:t>
+            </a:r>
             <a:r>
               <a:rPr lang="en-US" dirty="0" err="1" smtClean="0"/>
               <a:t>GameOfBuffalo</a:t>
@@ -5644,8 +5758,8 @@
         </p:blipFill>
         <p:spPr>
           <a:xfrm>
-            <a:off x="4710596" y="2579841"/>
-            <a:ext cx="7481404" cy="4278159"/>
+            <a:off x="5420299" y="2579841"/>
+            <a:ext cx="6771701" cy="4278159"/>
           </a:xfrm>
           <a:prstGeom prst="rect">
             <a:avLst/>

--- a/assets/powerpoints/golang3.pptx
+++ b/assets/powerpoints/golang3.pptx
@@ -216,7 +216,7 @@
           <a:p>
             <a:fld id="{AB412791-CB19-4B63-9963-8A77FB30904D}" type="datetimeFigureOut">
               <a:rPr lang="en-US" smtClean="0"/>
-              <a:t>5/18/2019</a:t>
+              <a:t>5/19/2019</a:t>
             </a:fld>
             <a:endParaRPr lang="en-US"/>
           </a:p>
@@ -1380,11 +1380,7 @@
             </a:r>
             <a:r>
               <a:rPr lang="en-US" baseline="0" dirty="0" smtClean="0"/>
-              <a:t> </a:t>
-            </a:r>
-            <a:r>
-              <a:rPr lang="en-US" baseline="0" dirty="0" smtClean="0"/>
-              <a:t>this I wanted to talk about the verdict of if I would choose to use </a:t>
+              <a:t> this I wanted to talk about the verdict of if I would choose to use </a:t>
             </a:r>
             <a:r>
               <a:rPr lang="en-US" baseline="0" dirty="0" err="1" smtClean="0"/>
@@ -1430,13 +1426,7 @@
               <a:rPr lang="en-US" baseline="0" dirty="0" smtClean="0">
                 <a:latin typeface="Roboto"/>
               </a:rPr>
-              <a:t>, swift, or OBJ C. no because of limited support for this library</a:t>
-            </a:r>
-            <a:r>
-              <a:rPr lang="en-US" baseline="0" dirty="0" smtClean="0">
-                <a:latin typeface="Roboto"/>
-              </a:rPr>
-              <a:t>.</a:t>
+              <a:t>, swift, or OBJ C. no because of limited support for this library.</a:t>
             </a:r>
           </a:p>
           <a:p>
@@ -1551,11 +1541,7 @@
             </a:r>
             <a:r>
               <a:rPr lang="en-US" baseline="0" dirty="0" smtClean="0"/>
-              <a:t> language and is used for rapid web development</a:t>
-            </a:r>
-            <a:r>
-              <a:rPr lang="en-US" baseline="0" dirty="0" smtClean="0"/>
-              <a:t>.</a:t>
+              <a:t> language and is used for rapid web development.</a:t>
             </a:r>
           </a:p>
           <a:p>
@@ -1577,7 +1563,6 @@
               <a:rPr lang="en-US" baseline="0" dirty="0" smtClean="0"/>
               <a:t> starts the server on a default port.</a:t>
             </a:r>
-            <a:endParaRPr lang="en-US" baseline="0" dirty="0" smtClean="0"/>
           </a:p>
           <a:p>
             <a:r>
@@ -1598,12 +1583,63 @@
               <a:rPr lang="en-US" baseline="0" dirty="0" smtClean="0"/>
               <a:t>-Templates is the directory where all of your html goes. </a:t>
             </a:r>
-            <a:endParaRPr lang="en-US" baseline="0" dirty="0" smtClean="0"/>
           </a:p>
           <a:p>
             <a:r>
               <a:rPr lang="en-US" baseline="0" dirty="0" smtClean="0"/>
               <a:t> </a:t>
+            </a:r>
+            <a:endParaRPr lang="en-US" baseline="0" dirty="0" smtClean="0"/>
+          </a:p>
+          <a:p>
+            <a:r>
+              <a:rPr lang="en-US" baseline="0" dirty="0" smtClean="0"/>
+              <a:t>-</a:t>
+            </a:r>
+            <a:r>
+              <a:rPr lang="en-US" baseline="0" dirty="0" err="1" smtClean="0"/>
+              <a:t>GoBuffalo</a:t>
+            </a:r>
+            <a:r>
+              <a:rPr lang="en-US" baseline="0" dirty="0" smtClean="0"/>
+              <a:t> is </a:t>
+            </a:r>
+            <a:r>
+              <a:rPr lang="en-US" baseline="0" dirty="0" err="1" smtClean="0"/>
+              <a:t>golangs</a:t>
+            </a:r>
+            <a:r>
+              <a:rPr lang="en-US" baseline="0" dirty="0" smtClean="0"/>
+              <a:t> version of ruby on rails.</a:t>
+            </a:r>
+          </a:p>
+          <a:p>
+            <a:endParaRPr lang="en-US" baseline="0" dirty="0" smtClean="0"/>
+          </a:p>
+          <a:p>
+            <a:r>
+              <a:rPr lang="en-US" baseline="0" dirty="0" smtClean="0"/>
+              <a:t>Some common commands I wanted to demo is </a:t>
+            </a:r>
+          </a:p>
+          <a:p>
+            <a:r>
+              <a:rPr lang="en-US" baseline="0" dirty="0" smtClean="0"/>
+              <a:t>-buffalo generate  --help // The buffalo generate command will allow you to generate action files, </a:t>
+            </a:r>
+            <a:r>
+              <a:rPr lang="en-US" baseline="0" dirty="0" err="1" smtClean="0"/>
+              <a:t>docker</a:t>
+            </a:r>
+            <a:r>
+              <a:rPr lang="en-US" baseline="0" dirty="0" smtClean="0"/>
+              <a:t> files, and other code files.</a:t>
+            </a:r>
+          </a:p>
+          <a:p>
+            <a:r>
+              <a:rPr lang="en-US" baseline="0" dirty="0" smtClean="0"/>
+              <a:t>-buffalo generate resource //generates models, locales, setups crud pages, and a handler.</a:t>
             </a:r>
             <a:endParaRPr lang="en-US" baseline="0" dirty="0" smtClean="0"/>
           </a:p>
@@ -1912,7 +1948,7 @@
           <a:p>
             <a:fld id="{790ED757-B5C7-4A40-922E-B631E1D33579}" type="datetimeFigureOut">
               <a:rPr lang="en-US" smtClean="0"/>
-              <a:t>5/18/2019</a:t>
+              <a:t>5/19/2019</a:t>
             </a:fld>
             <a:endParaRPr lang="en-US"/>
           </a:p>
@@ -2082,7 +2118,7 @@
           <a:p>
             <a:fld id="{790ED757-B5C7-4A40-922E-B631E1D33579}" type="datetimeFigureOut">
               <a:rPr lang="en-US" smtClean="0"/>
-              <a:t>5/18/2019</a:t>
+              <a:t>5/19/2019</a:t>
             </a:fld>
             <a:endParaRPr lang="en-US"/>
           </a:p>
@@ -2262,7 +2298,7 @@
           <a:p>
             <a:fld id="{790ED757-B5C7-4A40-922E-B631E1D33579}" type="datetimeFigureOut">
               <a:rPr lang="en-US" smtClean="0"/>
-              <a:t>5/18/2019</a:t>
+              <a:t>5/19/2019</a:t>
             </a:fld>
             <a:endParaRPr lang="en-US"/>
           </a:p>
@@ -2432,7 +2468,7 @@
           <a:p>
             <a:fld id="{790ED757-B5C7-4A40-922E-B631E1D33579}" type="datetimeFigureOut">
               <a:rPr lang="en-US" smtClean="0"/>
-              <a:t>5/18/2019</a:t>
+              <a:t>5/19/2019</a:t>
             </a:fld>
             <a:endParaRPr lang="en-US"/>
           </a:p>
@@ -2678,7 +2714,7 @@
           <a:p>
             <a:fld id="{790ED757-B5C7-4A40-922E-B631E1D33579}" type="datetimeFigureOut">
               <a:rPr lang="en-US" smtClean="0"/>
-              <a:t>5/18/2019</a:t>
+              <a:t>5/19/2019</a:t>
             </a:fld>
             <a:endParaRPr lang="en-US"/>
           </a:p>
@@ -2910,7 +2946,7 @@
           <a:p>
             <a:fld id="{790ED757-B5C7-4A40-922E-B631E1D33579}" type="datetimeFigureOut">
               <a:rPr lang="en-US" smtClean="0"/>
-              <a:t>5/18/2019</a:t>
+              <a:t>5/19/2019</a:t>
             </a:fld>
             <a:endParaRPr lang="en-US"/>
           </a:p>
@@ -3277,7 +3313,7 @@
           <a:p>
             <a:fld id="{790ED757-B5C7-4A40-922E-B631E1D33579}" type="datetimeFigureOut">
               <a:rPr lang="en-US" smtClean="0"/>
-              <a:t>5/18/2019</a:t>
+              <a:t>5/19/2019</a:t>
             </a:fld>
             <a:endParaRPr lang="en-US"/>
           </a:p>
@@ -3395,7 +3431,7 @@
           <a:p>
             <a:fld id="{790ED757-B5C7-4A40-922E-B631E1D33579}" type="datetimeFigureOut">
               <a:rPr lang="en-US" smtClean="0"/>
-              <a:t>5/18/2019</a:t>
+              <a:t>5/19/2019</a:t>
             </a:fld>
             <a:endParaRPr lang="en-US"/>
           </a:p>
@@ -3490,7 +3526,7 @@
           <a:p>
             <a:fld id="{790ED757-B5C7-4A40-922E-B631E1D33579}" type="datetimeFigureOut">
               <a:rPr lang="en-US" smtClean="0"/>
-              <a:t>5/18/2019</a:t>
+              <a:t>5/19/2019</a:t>
             </a:fld>
             <a:endParaRPr lang="en-US"/>
           </a:p>
@@ -3767,7 +3803,7 @@
           <a:p>
             <a:fld id="{790ED757-B5C7-4A40-922E-B631E1D33579}" type="datetimeFigureOut">
               <a:rPr lang="en-US" smtClean="0"/>
-              <a:t>5/18/2019</a:t>
+              <a:t>5/19/2019</a:t>
             </a:fld>
             <a:endParaRPr lang="en-US"/>
           </a:p>
@@ -4020,7 +4056,7 @@
           <a:p>
             <a:fld id="{790ED757-B5C7-4A40-922E-B631E1D33579}" type="datetimeFigureOut">
               <a:rPr lang="en-US" smtClean="0"/>
-              <a:t>5/18/2019</a:t>
+              <a:t>5/19/2019</a:t>
             </a:fld>
             <a:endParaRPr lang="en-US"/>
           </a:p>
@@ -4233,7 +4269,7 @@
           <a:p>
             <a:fld id="{790ED757-B5C7-4A40-922E-B631E1D33579}" type="datetimeFigureOut">
               <a:rPr lang="en-US" smtClean="0"/>
-              <a:t>5/18/2019</a:t>
+              <a:t>5/19/2019</a:t>
             </a:fld>
             <a:endParaRPr lang="en-US"/>
           </a:p>
@@ -5724,7 +5760,6 @@
               <a:rPr lang="en-US" dirty="0" smtClean="0"/>
               <a:t>Templates </a:t>
             </a:r>
-            <a:endParaRPr lang="en-US" dirty="0" smtClean="0"/>
           </a:p>
           <a:p>
             <a:r>

--- a/assets/powerpoints/golang3.pptx
+++ b/assets/powerpoints/golang3.pptx
@@ -216,7 +216,7 @@
           <a:p>
             <a:fld id="{AB412791-CB19-4B63-9963-8A77FB30904D}" type="datetimeFigureOut">
               <a:rPr lang="en-US" smtClean="0"/>
-              <a:t>5/19/2019</a:t>
+              <a:t>5/22/2019</a:t>
             </a:fld>
             <a:endParaRPr lang="en-US"/>
           </a:p>
@@ -1589,7 +1589,6 @@
               <a:rPr lang="en-US" baseline="0" dirty="0" smtClean="0"/>
               <a:t> </a:t>
             </a:r>
-            <a:endParaRPr lang="en-US" baseline="0" dirty="0" smtClean="0"/>
           </a:p>
           <a:p>
             <a:r>
@@ -1641,7 +1640,6 @@
               <a:rPr lang="en-US" baseline="0" dirty="0" smtClean="0"/>
               <a:t>-buffalo generate resource //generates models, locales, setups crud pages, and a handler.</a:t>
             </a:r>
-            <a:endParaRPr lang="en-US" baseline="0" dirty="0" smtClean="0"/>
           </a:p>
           <a:p>
             <a:pPr marL="0" marR="0" lvl="0" indent="0" algn="l" defTabSz="914400" rtl="0" eaLnBrk="1" fontAlgn="auto" latinLnBrk="0" hangingPunct="1">
@@ -1948,7 +1946,7 @@
           <a:p>
             <a:fld id="{790ED757-B5C7-4A40-922E-B631E1D33579}" type="datetimeFigureOut">
               <a:rPr lang="en-US" smtClean="0"/>
-              <a:t>5/19/2019</a:t>
+              <a:t>5/22/2019</a:t>
             </a:fld>
             <a:endParaRPr lang="en-US"/>
           </a:p>
@@ -2118,7 +2116,7 @@
           <a:p>
             <a:fld id="{790ED757-B5C7-4A40-922E-B631E1D33579}" type="datetimeFigureOut">
               <a:rPr lang="en-US" smtClean="0"/>
-              <a:t>5/19/2019</a:t>
+              <a:t>5/22/2019</a:t>
             </a:fld>
             <a:endParaRPr lang="en-US"/>
           </a:p>
@@ -2298,7 +2296,7 @@
           <a:p>
             <a:fld id="{790ED757-B5C7-4A40-922E-B631E1D33579}" type="datetimeFigureOut">
               <a:rPr lang="en-US" smtClean="0"/>
-              <a:t>5/19/2019</a:t>
+              <a:t>5/22/2019</a:t>
             </a:fld>
             <a:endParaRPr lang="en-US"/>
           </a:p>
@@ -2468,7 +2466,7 @@
           <a:p>
             <a:fld id="{790ED757-B5C7-4A40-922E-B631E1D33579}" type="datetimeFigureOut">
               <a:rPr lang="en-US" smtClean="0"/>
-              <a:t>5/19/2019</a:t>
+              <a:t>5/22/2019</a:t>
             </a:fld>
             <a:endParaRPr lang="en-US"/>
           </a:p>
@@ -2714,7 +2712,7 @@
           <a:p>
             <a:fld id="{790ED757-B5C7-4A40-922E-B631E1D33579}" type="datetimeFigureOut">
               <a:rPr lang="en-US" smtClean="0"/>
-              <a:t>5/19/2019</a:t>
+              <a:t>5/22/2019</a:t>
             </a:fld>
             <a:endParaRPr lang="en-US"/>
           </a:p>
@@ -2946,7 +2944,7 @@
           <a:p>
             <a:fld id="{790ED757-B5C7-4A40-922E-B631E1D33579}" type="datetimeFigureOut">
               <a:rPr lang="en-US" smtClean="0"/>
-              <a:t>5/19/2019</a:t>
+              <a:t>5/22/2019</a:t>
             </a:fld>
             <a:endParaRPr lang="en-US"/>
           </a:p>
@@ -3313,7 +3311,7 @@
           <a:p>
             <a:fld id="{790ED757-B5C7-4A40-922E-B631E1D33579}" type="datetimeFigureOut">
               <a:rPr lang="en-US" smtClean="0"/>
-              <a:t>5/19/2019</a:t>
+              <a:t>5/22/2019</a:t>
             </a:fld>
             <a:endParaRPr lang="en-US"/>
           </a:p>
@@ -3431,7 +3429,7 @@
           <a:p>
             <a:fld id="{790ED757-B5C7-4A40-922E-B631E1D33579}" type="datetimeFigureOut">
               <a:rPr lang="en-US" smtClean="0"/>
-              <a:t>5/19/2019</a:t>
+              <a:t>5/22/2019</a:t>
             </a:fld>
             <a:endParaRPr lang="en-US"/>
           </a:p>
@@ -3526,7 +3524,7 @@
           <a:p>
             <a:fld id="{790ED757-B5C7-4A40-922E-B631E1D33579}" type="datetimeFigureOut">
               <a:rPr lang="en-US" smtClean="0"/>
-              <a:t>5/19/2019</a:t>
+              <a:t>5/22/2019</a:t>
             </a:fld>
             <a:endParaRPr lang="en-US"/>
           </a:p>
@@ -3803,7 +3801,7 @@
           <a:p>
             <a:fld id="{790ED757-B5C7-4A40-922E-B631E1D33579}" type="datetimeFigureOut">
               <a:rPr lang="en-US" smtClean="0"/>
-              <a:t>5/19/2019</a:t>
+              <a:t>5/22/2019</a:t>
             </a:fld>
             <a:endParaRPr lang="en-US"/>
           </a:p>
@@ -4056,7 +4054,7 @@
           <a:p>
             <a:fld id="{790ED757-B5C7-4A40-922E-B631E1D33579}" type="datetimeFigureOut">
               <a:rPr lang="en-US" smtClean="0"/>
-              <a:t>5/19/2019</a:t>
+              <a:t>5/22/2019</a:t>
             </a:fld>
             <a:endParaRPr lang="en-US"/>
           </a:p>
@@ -4269,7 +4267,7 @@
           <a:p>
             <a:fld id="{790ED757-B5C7-4A40-922E-B631E1D33579}" type="datetimeFigureOut">
               <a:rPr lang="en-US" smtClean="0"/>
-              <a:t>5/19/2019</a:t>
+              <a:t>5/22/2019</a:t>
             </a:fld>
             <a:endParaRPr lang="en-US"/>
           </a:p>
@@ -5853,27 +5851,6 @@
               <a:t>End of Lunch and Learn 3</a:t>
             </a:r>
             <a:endParaRPr lang="en-US" dirty="0">
-              <a:latin typeface="Roboto"/>
-            </a:endParaRPr>
-          </a:p>
-        </p:txBody>
-      </p:sp>
-      <p:sp>
-        <p:nvSpPr>
-          <p:cNvPr id="3" name="Content Placeholder 2"/>
-          <p:cNvSpPr>
-            <a:spLocks noGrp="1"/>
-          </p:cNvSpPr>
-          <p:nvPr>
-            <p:ph idx="1"/>
-          </p:nvPr>
-        </p:nvSpPr>
-        <p:spPr/>
-        <p:txBody>
-          <a:bodyPr/>
-          <a:lstStyle/>
-          <a:p>
-            <a:endParaRPr lang="en-US" dirty="0" smtClean="0">
               <a:latin typeface="Roboto"/>
             </a:endParaRPr>
           </a:p>
